--- a/Lecture_13_2022.pptx
+++ b/Lecture_13_2022.pptx
@@ -5,7 +5,7 @@
     <p:sldMasterId id="2147483648" r:id="rId1"/>
   </p:sldMasterIdLst>
   <p:notesMasterIdLst>
-    <p:notesMasterId r:id="rId13"/>
+    <p:notesMasterId r:id="rId14"/>
   </p:notesMasterIdLst>
   <p:sldIdLst>
     <p:sldId id="256" r:id="rId2"/>
@@ -17,8 +17,9 @@
     <p:sldId id="337" r:id="rId8"/>
     <p:sldId id="338" r:id="rId9"/>
     <p:sldId id="340" r:id="rId10"/>
-    <p:sldId id="322" r:id="rId11"/>
-    <p:sldId id="329" r:id="rId12"/>
+    <p:sldId id="344" r:id="rId11"/>
+    <p:sldId id="322" r:id="rId12"/>
+    <p:sldId id="329" r:id="rId13"/>
   </p:sldIdLst>
   <p:sldSz cx="9144000" cy="6858000" type="screen4x3"/>
   <p:notesSz cx="6858000" cy="9144000"/>
@@ -219,7 +220,7 @@
             <a:fld id="{6CEE91BA-C1C1-4F35-8BC9-E5A5F7A95EC9}" type="datetimeFigureOut">
               <a:rPr lang="en-US" smtClean="0"/>
               <a:pPr/>
-              <a:t>4/22/2022</a:t>
+              <a:t>4/25/2022</a:t>
             </a:fld>
             <a:endParaRPr lang="en-US"/>
           </a:p>
@@ -725,7 +726,7 @@
             <a:fld id="{7E52474B-413B-406A-BEE5-B260FCBCAF95}" type="slidenum">
               <a:rPr lang="en-US" smtClean="0"/>
               <a:pPr/>
-              <a:t>10</a:t>
+              <a:t>11</a:t>
             </a:fld>
             <a:endParaRPr lang="en-US"/>
           </a:p>
@@ -960,7 +961,7 @@
             <a:fld id="{8DE66391-B152-4A85-94C9-5CAB85A9EBEE}" type="datetimeFigureOut">
               <a:rPr lang="en-US" smtClean="0"/>
               <a:pPr/>
-              <a:t>4/22/2022</a:t>
+              <a:t>4/25/2022</a:t>
             </a:fld>
             <a:endParaRPr lang="en-US"/>
           </a:p>
@@ -1197,7 +1198,7 @@
             <a:fld id="{8DE66391-B152-4A85-94C9-5CAB85A9EBEE}" type="datetimeFigureOut">
               <a:rPr lang="en-US" smtClean="0"/>
               <a:pPr/>
-              <a:t>4/22/2022</a:t>
+              <a:t>4/25/2022</a:t>
             </a:fld>
             <a:endParaRPr lang="en-US"/>
           </a:p>
@@ -1713,7 +1714,7 @@
             <a:fld id="{8DE66391-B152-4A85-94C9-5CAB85A9EBEE}" type="datetimeFigureOut">
               <a:rPr lang="en-US" smtClean="0"/>
               <a:pPr/>
-              <a:t>4/22/2022</a:t>
+              <a:t>4/25/2022</a:t>
             </a:fld>
             <a:endParaRPr lang="en-US"/>
           </a:p>
@@ -2028,7 +2029,7 @@
             <a:fld id="{8DE66391-B152-4A85-94C9-5CAB85A9EBEE}" type="datetimeFigureOut">
               <a:rPr lang="en-US" smtClean="0"/>
               <a:pPr/>
-              <a:t>4/22/2022</a:t>
+              <a:t>4/25/2022</a:t>
             </a:fld>
             <a:endParaRPr lang="en-US"/>
           </a:p>
@@ -2512,7 +2513,7 @@
           <a:p>
             <a:r>
               <a:rPr lang="en-US" dirty="0" smtClean="0"/>
-              <a:t>Week 13 Activities</a:t>
+              <a:t>Course Survey (Optional)</a:t>
             </a:r>
             <a:endParaRPr lang="en-US" dirty="0"/>
           </a:p>
@@ -2520,131 +2521,99 @@
       </p:sp>
       <p:sp>
         <p:nvSpPr>
-          <p:cNvPr id="3" name="TextBox 2"/>
-          <p:cNvSpPr txBox="1"/>
-          <p:nvPr/>
+          <p:cNvPr id="3" name="Content Placeholder 2"/>
+          <p:cNvSpPr>
+            <a:spLocks noGrp="1"/>
+          </p:cNvSpPr>
+          <p:nvPr>
+            <p:ph idx="1"/>
+          </p:nvPr>
         </p:nvSpPr>
         <p:spPr>
           <a:xfrm>
-            <a:off x="537948" y="2015892"/>
-            <a:ext cx="7771552" cy="2923877"/>
+            <a:off x="533400" y="1752600"/>
+            <a:ext cx="8229600" cy="4038600"/>
           </a:xfrm>
-          <a:prstGeom prst="rect">
-            <a:avLst/>
-          </a:prstGeom>
-          <a:noFill/>
         </p:spPr>
         <p:txBody>
-          <a:bodyPr wrap="square" rtlCol="0">
-            <a:spAutoFit/>
+          <a:bodyPr>
+            <a:normAutofit/>
           </a:bodyPr>
           <a:lstStyle/>
           <a:p>
-            <a:pPr marL="571500" indent="-571500">
-              <a:buFont typeface="Arial" panose="020B0604020202020204" pitchFamily="34" charset="0"/>
+            <a:r>
+              <a:rPr lang="en-US" dirty="0" smtClean="0"/>
+              <a:t>For future course planning purposes, please complete the Course Survey</a:t>
+            </a:r>
+            <a:endParaRPr lang="en-US" sz="1000" dirty="0" smtClean="0"/>
+          </a:p>
+          <a:p>
+            <a:endParaRPr lang="en-US" sz="1000" dirty="0" smtClean="0"/>
+          </a:p>
+          <a:p>
+            <a:pPr lvl="1">
+              <a:buFont typeface="Arial" pitchFamily="34" charset="0"/>
               <a:buChar char="•"/>
             </a:pPr>
             <a:r>
-              <a:rPr lang="en-US" sz="3200" dirty="0" smtClean="0">
-                <a:solidFill>
-                  <a:srgbClr val="000099"/>
-                </a:solidFill>
-              </a:rPr>
-              <a:t>In Tuesday / Thursday class meeting</a:t>
-            </a:r>
-            <a:endParaRPr lang="en-US" sz="3200" dirty="0">
-              <a:solidFill>
-                <a:srgbClr val="000099"/>
-              </a:solidFill>
-            </a:endParaRPr>
-          </a:p>
-          <a:p>
-            <a:pPr marL="914400" lvl="1" indent="-457200">
-              <a:buFont typeface="Calibri" panose="020F0502020204030204" pitchFamily="34" charset="0"/>
-              <a:buChar char="‐"/>
-            </a:pPr>
-            <a:r>
-              <a:rPr lang="en-US" sz="3200" dirty="0" smtClean="0">
-                <a:solidFill>
-                  <a:srgbClr val="000099"/>
-                </a:solidFill>
-              </a:rPr>
-              <a:t>Continue </a:t>
-            </a:r>
-            <a:r>
-              <a:rPr lang="en-US" sz="3200" dirty="0">
-                <a:solidFill>
-                  <a:srgbClr val="000099"/>
-                </a:solidFill>
-              </a:rPr>
-              <a:t>work on design </a:t>
-            </a:r>
-            <a:r>
-              <a:rPr lang="en-US" sz="3200" dirty="0" smtClean="0">
-                <a:solidFill>
-                  <a:srgbClr val="000099"/>
-                </a:solidFill>
-              </a:rPr>
-              <a:t>project</a:t>
-            </a:r>
-          </a:p>
-          <a:p>
-            <a:pPr marL="914400" lvl="1" indent="-457200">
-              <a:buFont typeface="Calibri" panose="020F0502020204030204" pitchFamily="34" charset="0"/>
-              <a:buChar char="‐"/>
-            </a:pPr>
-            <a:r>
-              <a:rPr lang="en-US" sz="3200" dirty="0" smtClean="0">
-                <a:solidFill>
-                  <a:srgbClr val="000099"/>
-                </a:solidFill>
-              </a:rPr>
-              <a:t>Prepare presentations</a:t>
-            </a:r>
-          </a:p>
-          <a:p>
-            <a:pPr marL="571500" indent="-571500">
-              <a:buFont typeface="Arial" panose="020B0604020202020204" pitchFamily="34" charset="0"/>
+              <a:rPr lang="en-US" dirty="0" smtClean="0"/>
+              <a:t>Participation is optional</a:t>
+            </a:r>
+          </a:p>
+          <a:p>
+            <a:pPr lvl="1">
+              <a:buFont typeface="Arial" pitchFamily="34" charset="0"/>
               <a:buChar char="•"/>
             </a:pPr>
             <a:r>
-              <a:rPr lang="en-US" sz="3200" dirty="0" smtClean="0">
-                <a:solidFill>
-                  <a:srgbClr val="000099"/>
-                </a:solidFill>
-              </a:rPr>
-              <a:t>No Quiz this Week</a:t>
-            </a:r>
-            <a:endParaRPr lang="en-US" sz="3200" dirty="0">
-              <a:solidFill>
-                <a:srgbClr val="000099"/>
-              </a:solidFill>
-            </a:endParaRPr>
-          </a:p>
-          <a:p>
-            <a:endParaRPr lang="en-US" sz="2800" dirty="0" smtClean="0">
-              <a:solidFill>
-                <a:srgbClr val="000099"/>
-              </a:solidFill>
-            </a:endParaRPr>
-          </a:p>
-          <a:p>
-            <a:pPr marL="457200" indent="-457200">
-              <a:buFont typeface="Calibri" panose="020F0502020204030204" pitchFamily="34" charset="0"/>
-              <a:buChar char="‐"/>
+              <a:rPr lang="en-US" dirty="0" smtClean="0"/>
+              <a:t>Survey is posted on </a:t>
+            </a:r>
+            <a:r>
+              <a:rPr lang="en-US" dirty="0" err="1" smtClean="0"/>
+              <a:t>Brightspace</a:t>
+            </a:r>
+            <a:r>
+              <a:rPr lang="en-US" dirty="0" smtClean="0"/>
+              <a:t> (look for link under Calendar)</a:t>
+            </a:r>
+          </a:p>
+          <a:p>
+            <a:pPr lvl="1">
+              <a:buFont typeface="Arial" pitchFamily="34" charset="0"/>
+              <a:buChar char="•"/>
             </a:pPr>
-            <a:endParaRPr lang="en-US" sz="2800" dirty="0">
-              <a:solidFill>
-                <a:srgbClr val="000099"/>
-              </a:solidFill>
-            </a:endParaRPr>
+            <a:r>
+              <a:rPr lang="en-US" dirty="0" smtClean="0"/>
+              <a:t>Extra credit toward quiz grade will be given (if submitted by Tuesday, </a:t>
+            </a:r>
+            <a:r>
+              <a:rPr lang="en-US" dirty="0" smtClean="0"/>
+              <a:t>5/4 </a:t>
+            </a:r>
+            <a:r>
+              <a:rPr lang="en-US" dirty="0" smtClean="0"/>
+              <a:t>@ </a:t>
+            </a:r>
+            <a:r>
+              <a:rPr lang="en-US" dirty="0" smtClean="0"/>
+              <a:t>11:59 </a:t>
+            </a:r>
+            <a:r>
+              <a:rPr lang="en-US" dirty="0"/>
+              <a:t>P</a:t>
+            </a:r>
+            <a:r>
+              <a:rPr lang="en-US" dirty="0" smtClean="0"/>
+              <a:t>M)</a:t>
+            </a:r>
           </a:p>
         </p:txBody>
       </p:sp>
     </p:spTree>
     <p:extLst>
       <p:ext uri="{BB962C8B-B14F-4D97-AF65-F5344CB8AC3E}">
-        <p14:creationId xmlns:p14="http://schemas.microsoft.com/office/powerpoint/2010/main" val="3617377634"/>
+        <p14:creationId xmlns:p14="http://schemas.microsoft.com/office/powerpoint/2010/main" val="692957934"/>
       </p:ext>
     </p:extLst>
   </p:cSld>
@@ -2695,11 +2664,190 @@
           <a:p>
             <a:r>
               <a:rPr lang="en-US" dirty="0" smtClean="0"/>
-              <a:t>Next Week (Week </a:t>
-            </a:r>
-            <a:r>
-              <a:rPr lang="en-US" dirty="0" smtClean="0"/>
-              <a:t>14)</a:t>
+              <a:t>Week 13 Activities</a:t>
+            </a:r>
+            <a:endParaRPr lang="en-US" dirty="0"/>
+          </a:p>
+        </p:txBody>
+      </p:sp>
+      <p:sp>
+        <p:nvSpPr>
+          <p:cNvPr id="3" name="TextBox 2"/>
+          <p:cNvSpPr txBox="1"/>
+          <p:nvPr/>
+        </p:nvSpPr>
+        <p:spPr>
+          <a:xfrm>
+            <a:off x="537948" y="2015892"/>
+            <a:ext cx="7771552" cy="2923877"/>
+          </a:xfrm>
+          <a:prstGeom prst="rect">
+            <a:avLst/>
+          </a:prstGeom>
+          <a:noFill/>
+        </p:spPr>
+        <p:txBody>
+          <a:bodyPr wrap="square" rtlCol="0">
+            <a:spAutoFit/>
+          </a:bodyPr>
+          <a:lstStyle/>
+          <a:p>
+            <a:pPr marL="571500" indent="-571500">
+              <a:buFont typeface="Arial" panose="020B0604020202020204" pitchFamily="34" charset="0"/>
+              <a:buChar char="•"/>
+            </a:pPr>
+            <a:r>
+              <a:rPr lang="en-US" sz="3200" dirty="0" smtClean="0">
+                <a:solidFill>
+                  <a:srgbClr val="000099"/>
+                </a:solidFill>
+              </a:rPr>
+              <a:t>In Tuesday / Thursday class meeting</a:t>
+            </a:r>
+            <a:endParaRPr lang="en-US" sz="3200" dirty="0">
+              <a:solidFill>
+                <a:srgbClr val="000099"/>
+              </a:solidFill>
+            </a:endParaRPr>
+          </a:p>
+          <a:p>
+            <a:pPr marL="914400" lvl="1" indent="-457200">
+              <a:buFont typeface="Calibri" panose="020F0502020204030204" pitchFamily="34" charset="0"/>
+              <a:buChar char="‐"/>
+            </a:pPr>
+            <a:r>
+              <a:rPr lang="en-US" sz="3200" dirty="0" smtClean="0">
+                <a:solidFill>
+                  <a:srgbClr val="000099"/>
+                </a:solidFill>
+              </a:rPr>
+              <a:t>Continue </a:t>
+            </a:r>
+            <a:r>
+              <a:rPr lang="en-US" sz="3200" dirty="0">
+                <a:solidFill>
+                  <a:srgbClr val="000099"/>
+                </a:solidFill>
+              </a:rPr>
+              <a:t>work on design </a:t>
+            </a:r>
+            <a:r>
+              <a:rPr lang="en-US" sz="3200" dirty="0" smtClean="0">
+                <a:solidFill>
+                  <a:srgbClr val="000099"/>
+                </a:solidFill>
+              </a:rPr>
+              <a:t>project</a:t>
+            </a:r>
+          </a:p>
+          <a:p>
+            <a:pPr marL="914400" lvl="1" indent="-457200">
+              <a:buFont typeface="Calibri" panose="020F0502020204030204" pitchFamily="34" charset="0"/>
+              <a:buChar char="‐"/>
+            </a:pPr>
+            <a:r>
+              <a:rPr lang="en-US" sz="3200" dirty="0" smtClean="0">
+                <a:solidFill>
+                  <a:srgbClr val="000099"/>
+                </a:solidFill>
+              </a:rPr>
+              <a:t>Prepare presentations</a:t>
+            </a:r>
+          </a:p>
+          <a:p>
+            <a:pPr marL="571500" indent="-571500">
+              <a:buFont typeface="Arial" panose="020B0604020202020204" pitchFamily="34" charset="0"/>
+              <a:buChar char="•"/>
+            </a:pPr>
+            <a:r>
+              <a:rPr lang="en-US" sz="3200" dirty="0" smtClean="0">
+                <a:solidFill>
+                  <a:srgbClr val="000099"/>
+                </a:solidFill>
+              </a:rPr>
+              <a:t>No Quiz this Week</a:t>
+            </a:r>
+            <a:endParaRPr lang="en-US" sz="3200" dirty="0">
+              <a:solidFill>
+                <a:srgbClr val="000099"/>
+              </a:solidFill>
+            </a:endParaRPr>
+          </a:p>
+          <a:p>
+            <a:endParaRPr lang="en-US" sz="2800" dirty="0" smtClean="0">
+              <a:solidFill>
+                <a:srgbClr val="000099"/>
+              </a:solidFill>
+            </a:endParaRPr>
+          </a:p>
+          <a:p>
+            <a:pPr marL="457200" indent="-457200">
+              <a:buFont typeface="Calibri" panose="020F0502020204030204" pitchFamily="34" charset="0"/>
+              <a:buChar char="‐"/>
+            </a:pPr>
+            <a:endParaRPr lang="en-US" sz="2800" dirty="0">
+              <a:solidFill>
+                <a:srgbClr val="000099"/>
+              </a:solidFill>
+            </a:endParaRPr>
+          </a:p>
+        </p:txBody>
+      </p:sp>
+    </p:spTree>
+    <p:extLst>
+      <p:ext uri="{BB962C8B-B14F-4D97-AF65-F5344CB8AC3E}">
+        <p14:creationId xmlns:p14="http://schemas.microsoft.com/office/powerpoint/2010/main" val="3617377634"/>
+      </p:ext>
+    </p:extLst>
+  </p:cSld>
+  <p:clrMapOvr>
+    <a:masterClrMapping/>
+  </p:clrMapOvr>
+  <p:timing>
+    <p:tnLst>
+      <p:par>
+        <p:cTn id="1" dur="indefinite" restart="never" nodeType="tmRoot"/>
+      </p:par>
+    </p:tnLst>
+  </p:timing>
+</p:sld>
+</file>
+
+<file path=ppt/slides/slide12.xml><?xml version="1.0" encoding="utf-8"?>
+<p:sld xmlns:a="http://schemas.openxmlformats.org/drawingml/2006/main" xmlns:r="http://schemas.openxmlformats.org/officeDocument/2006/relationships" xmlns:p="http://schemas.openxmlformats.org/presentationml/2006/main">
+  <p:cSld>
+    <p:spTree>
+      <p:nvGrpSpPr>
+        <p:cNvPr id="1" name=""/>
+        <p:cNvGrpSpPr/>
+        <p:nvPr/>
+      </p:nvGrpSpPr>
+      <p:grpSpPr>
+        <a:xfrm>
+          <a:off x="0" y="0"/>
+          <a:ext cx="0" cy="0"/>
+          <a:chOff x="0" y="0"/>
+          <a:chExt cx="0" cy="0"/>
+        </a:xfrm>
+      </p:grpSpPr>
+      <p:sp>
+        <p:nvSpPr>
+          <p:cNvPr id="2" name="Title 1"/>
+          <p:cNvSpPr>
+            <a:spLocks noGrp="1"/>
+          </p:cNvSpPr>
+          <p:nvPr>
+            <p:ph type="title"/>
+          </p:nvPr>
+        </p:nvSpPr>
+        <p:spPr/>
+        <p:txBody>
+          <a:bodyPr/>
+          <a:lstStyle/>
+          <a:p>
+            <a:r>
+              <a:rPr lang="en-US" dirty="0" smtClean="0"/>
+              <a:t>Next Week (Week 14)</a:t>
             </a:r>
             <a:endParaRPr lang="en-US" dirty="0"/>
           </a:p>
@@ -2740,11 +2888,7 @@
             </a:r>
             <a:r>
               <a:rPr lang="en-US" dirty="0" smtClean="0"/>
-              <a:t>Course survey (extra credit </a:t>
-            </a:r>
-            <a:r>
-              <a:rPr lang="en-US" dirty="0" smtClean="0"/>
-              <a:t>toward </a:t>
+              <a:t>Course survey (extra credit toward </a:t>
             </a:r>
             <a:r>
               <a:rPr lang="en-US" dirty="0"/>
@@ -2752,11 +2896,7 @@
             </a:r>
             <a:r>
               <a:rPr lang="en-US" dirty="0" smtClean="0"/>
-              <a:t>uiz </a:t>
-            </a:r>
-            <a:r>
-              <a:rPr lang="en-US" dirty="0" smtClean="0"/>
-              <a:t>grade)</a:t>
+              <a:t>uiz grade)</a:t>
             </a:r>
           </a:p>
           <a:p>
@@ -2787,7 +2927,6 @@
               <a:rPr lang="en-US" dirty="0" smtClean="0"/>
               <a:t>10</a:t>
             </a:r>
-            <a:endParaRPr lang="en-US" dirty="0" smtClean="0"/>
           </a:p>
           <a:p>
             <a:pPr lvl="1"/>
@@ -2905,11 +3044,7 @@
             </a:pPr>
             <a:r>
               <a:rPr lang="en-US" dirty="0" smtClean="0"/>
-              <a:t>Design </a:t>
-            </a:r>
-            <a:r>
-              <a:rPr lang="en-US" dirty="0" smtClean="0"/>
-              <a:t>project schedule</a:t>
+              <a:t>Design project schedule</a:t>
             </a:r>
           </a:p>
           <a:p>
@@ -3028,11 +3163,7 @@
             </a:pPr>
             <a:r>
               <a:rPr lang="en-US" dirty="0" smtClean="0"/>
-              <a:t>Student IDEA course </a:t>
-            </a:r>
-            <a:r>
-              <a:rPr lang="en-US" dirty="0" smtClean="0"/>
-              <a:t>evaluation</a:t>
+              <a:t>Student IDEA course evaluation</a:t>
             </a:r>
           </a:p>
           <a:p>
@@ -3048,7 +3179,6 @@
               <a:rPr lang="en-US" dirty="0" smtClean="0"/>
               <a:t>EGR 106 Survey (extra credit toward quiz grade)</a:t>
             </a:r>
-            <a:endParaRPr lang="en-US" dirty="0" smtClean="0"/>
           </a:p>
           <a:p>
             <a:pPr>
@@ -3061,15 +3191,7 @@
             </a:pPr>
             <a:r>
               <a:rPr lang="en-US" dirty="0" smtClean="0"/>
-              <a:t>Week </a:t>
-            </a:r>
-            <a:r>
-              <a:rPr lang="en-US" dirty="0" smtClean="0"/>
-              <a:t>14 </a:t>
-            </a:r>
-            <a:r>
-              <a:rPr lang="en-US" dirty="0" smtClean="0"/>
-              <a:t>activities</a:t>
+              <a:t>Week 14 activities</a:t>
             </a:r>
             <a:endParaRPr lang="en-US" dirty="0"/>
           </a:p>
@@ -3392,15 +3514,7 @@
             </a:pPr>
             <a:r>
               <a:rPr lang="en-US" sz="2000" dirty="0" smtClean="0"/>
-              <a:t>To </a:t>
-            </a:r>
-            <a:r>
-              <a:rPr lang="en-US" sz="2000" dirty="0" smtClean="0"/>
-              <a:t>apply, go to</a:t>
-            </a:r>
-            <a:r>
-              <a:rPr lang="en-US" sz="2000" dirty="0" smtClean="0"/>
-              <a:t>: </a:t>
+              <a:t>To apply, go to: </a:t>
             </a:r>
             <a:r>
               <a:rPr lang="en-US" sz="2000" dirty="0" smtClean="0">
@@ -4785,11 +4899,7 @@
             </a:r>
             <a:r>
               <a:rPr lang="en-US" dirty="0"/>
-              <a:t>now through </a:t>
-            </a:r>
-            <a:r>
-              <a:rPr lang="en-US" dirty="0"/>
-              <a:t>May 4</a:t>
+              <a:t>now through May 4</a:t>
             </a:r>
             <a:r>
               <a:rPr lang="en-US" dirty="0" smtClean="0"/>
@@ -4811,11 +4921,7 @@
             </a:pPr>
             <a:r>
               <a:rPr lang="en-US" dirty="0" smtClean="0"/>
-              <a:t>Evaluation </a:t>
-            </a:r>
-            <a:r>
-              <a:rPr lang="en-US" dirty="0" smtClean="0"/>
-              <a:t>is based on Monday class sessions only (not Tuesday/Thursday instructors)</a:t>
+              <a:t>Evaluation is based on Monday class sessions only (not Tuesday/Thursday instructors)</a:t>
             </a:r>
             <a:endParaRPr lang="en-US" dirty="0"/>
           </a:p>
